--- a/ppt/0512_2조_나현희_신원철.pptx
+++ b/ppt/0512_2조_나현희_신원철.pptx
@@ -180,84 +180,6 @@
 
 <file path=ppt/changesInfos/changesInfo1.xml><?xml version="1.0" encoding="utf-8"?>
 <pc:chgInfo xmlns:a="http://schemas.openxmlformats.org/drawingml/2006/main" xmlns:r="http://schemas.openxmlformats.org/officeDocument/2006/relationships" xmlns:ac="http://schemas.microsoft.com/office/drawing/2013/main/command" xmlns:pc="http://schemas.microsoft.com/office/powerpoint/2013/main/command">
-  <pc:docChgLst>
-    <pc:chgData name="나 현희" userId="a7b73e83492eed8a" providerId="LiveId" clId="{64AD838D-9C5E-4924-A2B9-9E61F63567BB}"/>
-    <pc:docChg chg="undo custSel modSld">
-      <pc:chgData name="나 현희" userId="a7b73e83492eed8a" providerId="LiveId" clId="{64AD838D-9C5E-4924-A2B9-9E61F63567BB}" dt="2023-05-12T02:03:36.438" v="38"/>
-      <pc:docMkLst>
-        <pc:docMk/>
-      </pc:docMkLst>
-      <pc:sldChg chg="modSp mod">
-        <pc:chgData name="나 현희" userId="a7b73e83492eed8a" providerId="LiveId" clId="{64AD838D-9C5E-4924-A2B9-9E61F63567BB}" dt="2023-05-12T02:03:36.438" v="38"/>
-        <pc:sldMkLst>
-          <pc:docMk/>
-          <pc:sldMk cId="1357611919" sldId="273"/>
-        </pc:sldMkLst>
-        <pc:spChg chg="mod">
-          <ac:chgData name="나 현희" userId="a7b73e83492eed8a" providerId="LiveId" clId="{64AD838D-9C5E-4924-A2B9-9E61F63567BB}" dt="2023-05-12T02:03:33.292" v="37"/>
-          <ac:spMkLst>
-            <pc:docMk/>
-            <pc:sldMk cId="1357611919" sldId="273"/>
-            <ac:spMk id="2" creationId="{00000000-0000-0000-0000-000000000000}"/>
-          </ac:spMkLst>
-        </pc:spChg>
-        <pc:spChg chg="mod">
-          <ac:chgData name="나 현희" userId="a7b73e83492eed8a" providerId="LiveId" clId="{64AD838D-9C5E-4924-A2B9-9E61F63567BB}" dt="2023-05-12T02:03:36.438" v="38"/>
-          <ac:spMkLst>
-            <pc:docMk/>
-            <pc:sldMk cId="1357611919" sldId="273"/>
-            <ac:spMk id="3" creationId="{00000000-0000-0000-0000-000000000000}"/>
-          </ac:spMkLst>
-        </pc:spChg>
-      </pc:sldChg>
-      <pc:sldChg chg="addSp delSp modSp mod addCm delCm">
-        <pc:chgData name="나 현희" userId="a7b73e83492eed8a" providerId="LiveId" clId="{64AD838D-9C5E-4924-A2B9-9E61F63567BB}" dt="2023-05-12T02:00:14.353" v="31" actId="1076"/>
-        <pc:sldMkLst>
-          <pc:docMk/>
-          <pc:sldMk cId="3439183929" sldId="274"/>
-        </pc:sldMkLst>
-        <pc:spChg chg="mod">
-          <ac:chgData name="나 현희" userId="a7b73e83492eed8a" providerId="LiveId" clId="{64AD838D-9C5E-4924-A2B9-9E61F63567BB}" dt="2023-05-12T01:59:24.372" v="25" actId="20577"/>
-          <ac:spMkLst>
-            <pc:docMk/>
-            <pc:sldMk cId="3439183929" sldId="274"/>
-            <ac:spMk id="2" creationId="{00000000-0000-0000-0000-000000000000}"/>
-          </ac:spMkLst>
-        </pc:spChg>
-        <pc:spChg chg="del mod">
-          <ac:chgData name="나 현희" userId="a7b73e83492eed8a" providerId="LiveId" clId="{64AD838D-9C5E-4924-A2B9-9E61F63567BB}" dt="2023-05-12T01:59:49.064" v="27" actId="21"/>
-          <ac:spMkLst>
-            <pc:docMk/>
-            <pc:sldMk cId="3439183929" sldId="274"/>
-            <ac:spMk id="3" creationId="{00000000-0000-0000-0000-000000000000}"/>
-          </ac:spMkLst>
-        </pc:spChg>
-        <pc:graphicFrameChg chg="add mod">
-          <ac:chgData name="나 현희" userId="a7b73e83492eed8a" providerId="LiveId" clId="{64AD838D-9C5E-4924-A2B9-9E61F63567BB}" dt="2023-05-12T02:00:14.353" v="31" actId="1076"/>
-          <ac:graphicFrameMkLst>
-            <pc:docMk/>
-            <pc:sldMk cId="3439183929" sldId="274"/>
-            <ac:graphicFrameMk id="4" creationId="{B867C856-EA33-3271-E886-DBB6E3B0CEAD}"/>
-          </ac:graphicFrameMkLst>
-        </pc:graphicFrameChg>
-      </pc:sldChg>
-      <pc:sldChg chg="modSp mod">
-        <pc:chgData name="나 현희" userId="a7b73e83492eed8a" providerId="LiveId" clId="{64AD838D-9C5E-4924-A2B9-9E61F63567BB}" dt="2023-05-12T02:03:18.382" v="35" actId="2711"/>
-        <pc:sldMkLst>
-          <pc:docMk/>
-          <pc:sldMk cId="893322849" sldId="301"/>
-        </pc:sldMkLst>
-        <pc:spChg chg="mod">
-          <ac:chgData name="나 현희" userId="a7b73e83492eed8a" providerId="LiveId" clId="{64AD838D-9C5E-4924-A2B9-9E61F63567BB}" dt="2023-05-12T02:03:18.382" v="35" actId="2711"/>
-          <ac:spMkLst>
-            <pc:docMk/>
-            <pc:sldMk cId="893322849" sldId="301"/>
-            <ac:spMk id="3" creationId="{00000000-0000-0000-0000-000000000000}"/>
-          </ac:spMkLst>
-        </pc:spChg>
-      </pc:sldChg>
-    </pc:docChg>
-  </pc:docChgLst>
   <pc:docChgLst>
     <pc:chgData name="나 현희" userId="a7b73e83492eed8a" providerId="LiveId" clId="{AB9B050E-E5C9-4B08-8455-45F1E99EFAA3}"/>
     <pc:docChg chg="custSel modSld">
@@ -464,6 +386,84 @@
       </pc:sldChg>
     </pc:docChg>
   </pc:docChgLst>
+  <pc:docChgLst>
+    <pc:chgData name="나 현희" userId="a7b73e83492eed8a" providerId="LiveId" clId="{64AD838D-9C5E-4924-A2B9-9E61F63567BB}"/>
+    <pc:docChg chg="undo custSel modSld">
+      <pc:chgData name="나 현희" userId="a7b73e83492eed8a" providerId="LiveId" clId="{64AD838D-9C5E-4924-A2B9-9E61F63567BB}" dt="2023-05-12T02:03:36.438" v="38"/>
+      <pc:docMkLst>
+        <pc:docMk/>
+      </pc:docMkLst>
+      <pc:sldChg chg="modSp mod">
+        <pc:chgData name="나 현희" userId="a7b73e83492eed8a" providerId="LiveId" clId="{64AD838D-9C5E-4924-A2B9-9E61F63567BB}" dt="2023-05-12T02:03:36.438" v="38"/>
+        <pc:sldMkLst>
+          <pc:docMk/>
+          <pc:sldMk cId="1357611919" sldId="273"/>
+        </pc:sldMkLst>
+        <pc:spChg chg="mod">
+          <ac:chgData name="나 현희" userId="a7b73e83492eed8a" providerId="LiveId" clId="{64AD838D-9C5E-4924-A2B9-9E61F63567BB}" dt="2023-05-12T02:03:33.292" v="37"/>
+          <ac:spMkLst>
+            <pc:docMk/>
+            <pc:sldMk cId="1357611919" sldId="273"/>
+            <ac:spMk id="2" creationId="{00000000-0000-0000-0000-000000000000}"/>
+          </ac:spMkLst>
+        </pc:spChg>
+        <pc:spChg chg="mod">
+          <ac:chgData name="나 현희" userId="a7b73e83492eed8a" providerId="LiveId" clId="{64AD838D-9C5E-4924-A2B9-9E61F63567BB}" dt="2023-05-12T02:03:36.438" v="38"/>
+          <ac:spMkLst>
+            <pc:docMk/>
+            <pc:sldMk cId="1357611919" sldId="273"/>
+            <ac:spMk id="3" creationId="{00000000-0000-0000-0000-000000000000}"/>
+          </ac:spMkLst>
+        </pc:spChg>
+      </pc:sldChg>
+      <pc:sldChg chg="addSp delSp modSp mod addCm delCm">
+        <pc:chgData name="나 현희" userId="a7b73e83492eed8a" providerId="LiveId" clId="{64AD838D-9C5E-4924-A2B9-9E61F63567BB}" dt="2023-05-12T02:00:14.353" v="31" actId="1076"/>
+        <pc:sldMkLst>
+          <pc:docMk/>
+          <pc:sldMk cId="3439183929" sldId="274"/>
+        </pc:sldMkLst>
+        <pc:spChg chg="mod">
+          <ac:chgData name="나 현희" userId="a7b73e83492eed8a" providerId="LiveId" clId="{64AD838D-9C5E-4924-A2B9-9E61F63567BB}" dt="2023-05-12T01:59:24.372" v="25" actId="20577"/>
+          <ac:spMkLst>
+            <pc:docMk/>
+            <pc:sldMk cId="3439183929" sldId="274"/>
+            <ac:spMk id="2" creationId="{00000000-0000-0000-0000-000000000000}"/>
+          </ac:spMkLst>
+        </pc:spChg>
+        <pc:spChg chg="del mod">
+          <ac:chgData name="나 현희" userId="a7b73e83492eed8a" providerId="LiveId" clId="{64AD838D-9C5E-4924-A2B9-9E61F63567BB}" dt="2023-05-12T01:59:49.064" v="27" actId="21"/>
+          <ac:spMkLst>
+            <pc:docMk/>
+            <pc:sldMk cId="3439183929" sldId="274"/>
+            <ac:spMk id="3" creationId="{00000000-0000-0000-0000-000000000000}"/>
+          </ac:spMkLst>
+        </pc:spChg>
+        <pc:graphicFrameChg chg="add mod">
+          <ac:chgData name="나 현희" userId="a7b73e83492eed8a" providerId="LiveId" clId="{64AD838D-9C5E-4924-A2B9-9E61F63567BB}" dt="2023-05-12T02:00:14.353" v="31" actId="1076"/>
+          <ac:graphicFrameMkLst>
+            <pc:docMk/>
+            <pc:sldMk cId="3439183929" sldId="274"/>
+            <ac:graphicFrameMk id="4" creationId="{B867C856-EA33-3271-E886-DBB6E3B0CEAD}"/>
+          </ac:graphicFrameMkLst>
+        </pc:graphicFrameChg>
+      </pc:sldChg>
+      <pc:sldChg chg="modSp mod">
+        <pc:chgData name="나 현희" userId="a7b73e83492eed8a" providerId="LiveId" clId="{64AD838D-9C5E-4924-A2B9-9E61F63567BB}" dt="2023-05-12T02:03:18.382" v="35" actId="2711"/>
+        <pc:sldMkLst>
+          <pc:docMk/>
+          <pc:sldMk cId="893322849" sldId="301"/>
+        </pc:sldMkLst>
+        <pc:spChg chg="mod">
+          <ac:chgData name="나 현희" userId="a7b73e83492eed8a" providerId="LiveId" clId="{64AD838D-9C5E-4924-A2B9-9E61F63567BB}" dt="2023-05-12T02:03:18.382" v="35" actId="2711"/>
+          <ac:spMkLst>
+            <pc:docMk/>
+            <pc:sldMk cId="893322849" sldId="301"/>
+            <ac:spMk id="3" creationId="{00000000-0000-0000-0000-000000000000}"/>
+          </ac:spMkLst>
+        </pc:spChg>
+      </pc:sldChg>
+    </pc:docChg>
+  </pc:docChgLst>
 </pc:chgInfo>
 </file>
 
@@ -563,7 +563,7 @@
           <a:p>
             <a:fld id="{50138154-59DF-461E-B1C9-8D189C980A7E}" type="datetimeFigureOut">
               <a:rPr lang="ko-KR" altLang="en-US" smtClean="0"/>
-              <a:t>2023-05-12</a:t>
+              <a:t>2023-05-14</a:t>
             </a:fld>
             <a:endParaRPr lang="ko-KR" altLang="en-US" dirty="0"/>
           </a:p>
@@ -898,7 +898,7 @@
             </a:r>
             <a:r>
               <a:rPr lang="ko-KR" altLang="en-US" dirty="0"/>
-              <a:t>화자 별 발화 내용을 반영하지 않음</a:t>
+              <a:t>화자 별 발화 내용을 구분해서 반영하지 않음</a:t>
             </a:r>
             <a:r>
               <a:rPr lang="en-US" altLang="ko-KR" dirty="0"/>
@@ -10512,7 +10512,7 @@
             <a:pPr lvl="1"/>
             <a:r>
               <a:rPr lang="ko-KR" altLang="en-US" dirty="0"/>
-              <a:t>화자 별 발화 내용을 반영하지 않음</a:t>
+              <a:t>화자 별 발화 내용을 구분해서 반영하지 않음</a:t>
             </a:r>
             <a:endParaRPr lang="en-US" altLang="ko-KR" dirty="0"/>
           </a:p>
@@ -11878,10 +11878,10 @@
       </p:sp>
       <p:pic>
         <p:nvPicPr>
-          <p:cNvPr id="4" name="그림 3">
+          <p:cNvPr id="6" name="그림 5">
             <a:extLst>
               <a:ext uri="{FF2B5EF4-FFF2-40B4-BE49-F238E27FC236}">
-                <a16:creationId xmlns:a16="http://schemas.microsoft.com/office/drawing/2014/main" id="{A3ED8A9B-A80B-9A30-9A0A-4DDC251371C0}"/>
+                <a16:creationId xmlns:a16="http://schemas.microsoft.com/office/drawing/2014/main" id="{99B470C6-2882-BCFD-448F-45F5182D058D}"/>
               </a:ext>
             </a:extLst>
           </p:cNvPr>
@@ -11891,21 +11891,15 @@
           <p:nvPr/>
         </p:nvPicPr>
         <p:blipFill>
-          <a:blip r:embed="rId3" cstate="print">
-            <a:extLst>
-              <a:ext uri="{28A0092B-C50C-407E-A947-70E740481C1C}">
-                <a14:useLocalDpi xmlns:a14="http://schemas.microsoft.com/office/drawing/2010/main" val="0"/>
-              </a:ext>
-            </a:extLst>
-          </a:blip>
+          <a:blip r:embed="rId3"/>
           <a:stretch>
             <a:fillRect/>
           </a:stretch>
         </p:blipFill>
         <p:spPr>
           <a:xfrm>
-            <a:off x="1619672" y="1169354"/>
-            <a:ext cx="5818014" cy="5184576"/>
+            <a:off x="1152450" y="508933"/>
+            <a:ext cx="6839099" cy="6036508"/>
           </a:xfrm>
           <a:prstGeom prst="rect">
             <a:avLst/>
@@ -11922,81 +11916,6 @@
   <p:clrMapOvr>
     <a:masterClrMapping/>
   </p:clrMapOvr>
-  <p:timing>
-    <p:tnLst>
-      <p:par>
-        <p:cTn id="1" dur="indefinite" restart="never" nodeType="tmRoot">
-          <p:childTnLst>
-            <p:seq concurrent="1" nextAc="seek">
-              <p:cTn id="2" dur="indefinite" nodeType="mainSeq">
-                <p:childTnLst>
-                  <p:par>
-                    <p:cTn id="3" fill="hold">
-                      <p:stCondLst>
-                        <p:cond delay="indefinite"/>
-                      </p:stCondLst>
-                      <p:childTnLst>
-                        <p:par>
-                          <p:cTn id="4" fill="hold">
-                            <p:stCondLst>
-                              <p:cond delay="0"/>
-                            </p:stCondLst>
-                            <p:childTnLst>
-                              <p:par>
-                                <p:cTn id="5" presetID="1" presetClass="entr" presetSubtype="0" fill="hold" nodeType="clickEffect">
-                                  <p:stCondLst>
-                                    <p:cond delay="0"/>
-                                  </p:stCondLst>
-                                  <p:childTnLst>
-                                    <p:set>
-                                      <p:cBhvr>
-                                        <p:cTn id="6" dur="1" fill="hold">
-                                          <p:stCondLst>
-                                            <p:cond delay="0"/>
-                                          </p:stCondLst>
-                                        </p:cTn>
-                                        <p:tgtEl>
-                                          <p:spTgt spid="4"/>
-                                        </p:tgtEl>
-                                        <p:attrNameLst>
-                                          <p:attrName>style.visibility</p:attrName>
-                                        </p:attrNameLst>
-                                      </p:cBhvr>
-                                      <p:to>
-                                        <p:strVal val="visible"/>
-                                      </p:to>
-                                    </p:set>
-                                  </p:childTnLst>
-                                </p:cTn>
-                              </p:par>
-                            </p:childTnLst>
-                          </p:cTn>
-                        </p:par>
-                      </p:childTnLst>
-                    </p:cTn>
-                  </p:par>
-                </p:childTnLst>
-              </p:cTn>
-              <p:prevCondLst>
-                <p:cond evt="onPrev" delay="0">
-                  <p:tgtEl>
-                    <p:sldTgt/>
-                  </p:tgtEl>
-                </p:cond>
-              </p:prevCondLst>
-              <p:nextCondLst>
-                <p:cond evt="onNext" delay="0">
-                  <p:tgtEl>
-                    <p:sldTgt/>
-                  </p:tgtEl>
-                </p:cond>
-              </p:nextCondLst>
-            </p:seq>
-          </p:childTnLst>
-        </p:cTn>
-      </p:par>
-    </p:tnLst>
-  </p:timing>
 </p:sld>
 </file>
 
